--- a/Thesis Map.pptx
+++ b/Thesis Map.pptx
@@ -104,6 +104,11 @@
       </a:defRPr>
     </a:lvl9pPr>
   </p:defaultTextStyle>
+  <p:extLst>
+    <p:ext uri="{EFAFB233-063F-42B5-8137-9DF3F51BA10A}">
+      <p15:sldGuideLst xmlns:p15="http://schemas.microsoft.com/office/powerpoint/2012/main"/>
+    </p:ext>
+  </p:extLst>
 </p:presentation>
 </file>
 
@@ -256,7 +261,7 @@
           <a:p>
             <a:fld id="{69048AD9-BE00-4ED8-A839-584C1E57A89E}" type="datetimeFigureOut">
               <a:rPr lang="de-CH" smtClean="0"/>
-              <a:t>12.04.2021</a:t>
+              <a:t>05.06.2021</a:t>
             </a:fld>
             <a:endParaRPr lang="de-CH"/>
           </a:p>
@@ -456,7 +461,7 @@
           <a:p>
             <a:fld id="{69048AD9-BE00-4ED8-A839-584C1E57A89E}" type="datetimeFigureOut">
               <a:rPr lang="de-CH" smtClean="0"/>
-              <a:t>12.04.2021</a:t>
+              <a:t>05.06.2021</a:t>
             </a:fld>
             <a:endParaRPr lang="de-CH"/>
           </a:p>
@@ -666,7 +671,7 @@
           <a:p>
             <a:fld id="{69048AD9-BE00-4ED8-A839-584C1E57A89E}" type="datetimeFigureOut">
               <a:rPr lang="de-CH" smtClean="0"/>
-              <a:t>12.04.2021</a:t>
+              <a:t>05.06.2021</a:t>
             </a:fld>
             <a:endParaRPr lang="de-CH"/>
           </a:p>
@@ -866,7 +871,7 @@
           <a:p>
             <a:fld id="{69048AD9-BE00-4ED8-A839-584C1E57A89E}" type="datetimeFigureOut">
               <a:rPr lang="de-CH" smtClean="0"/>
-              <a:t>12.04.2021</a:t>
+              <a:t>05.06.2021</a:t>
             </a:fld>
             <a:endParaRPr lang="de-CH"/>
           </a:p>
@@ -1142,7 +1147,7 @@
           <a:p>
             <a:fld id="{69048AD9-BE00-4ED8-A839-584C1E57A89E}" type="datetimeFigureOut">
               <a:rPr lang="de-CH" smtClean="0"/>
-              <a:t>12.04.2021</a:t>
+              <a:t>05.06.2021</a:t>
             </a:fld>
             <a:endParaRPr lang="de-CH"/>
           </a:p>
@@ -1410,7 +1415,7 @@
           <a:p>
             <a:fld id="{69048AD9-BE00-4ED8-A839-584C1E57A89E}" type="datetimeFigureOut">
               <a:rPr lang="de-CH" smtClean="0"/>
-              <a:t>12.04.2021</a:t>
+              <a:t>05.06.2021</a:t>
             </a:fld>
             <a:endParaRPr lang="de-CH"/>
           </a:p>
@@ -1825,7 +1830,7 @@
           <a:p>
             <a:fld id="{69048AD9-BE00-4ED8-A839-584C1E57A89E}" type="datetimeFigureOut">
               <a:rPr lang="de-CH" smtClean="0"/>
-              <a:t>12.04.2021</a:t>
+              <a:t>05.06.2021</a:t>
             </a:fld>
             <a:endParaRPr lang="de-CH"/>
           </a:p>
@@ -1967,7 +1972,7 @@
           <a:p>
             <a:fld id="{69048AD9-BE00-4ED8-A839-584C1E57A89E}" type="datetimeFigureOut">
               <a:rPr lang="de-CH" smtClean="0"/>
-              <a:t>12.04.2021</a:t>
+              <a:t>05.06.2021</a:t>
             </a:fld>
             <a:endParaRPr lang="de-CH"/>
           </a:p>
@@ -2080,7 +2085,7 @@
           <a:p>
             <a:fld id="{69048AD9-BE00-4ED8-A839-584C1E57A89E}" type="datetimeFigureOut">
               <a:rPr lang="de-CH" smtClean="0"/>
-              <a:t>12.04.2021</a:t>
+              <a:t>05.06.2021</a:t>
             </a:fld>
             <a:endParaRPr lang="de-CH"/>
           </a:p>
@@ -2393,7 +2398,7 @@
           <a:p>
             <a:fld id="{69048AD9-BE00-4ED8-A839-584C1E57A89E}" type="datetimeFigureOut">
               <a:rPr lang="de-CH" smtClean="0"/>
-              <a:t>12.04.2021</a:t>
+              <a:t>05.06.2021</a:t>
             </a:fld>
             <a:endParaRPr lang="de-CH"/>
           </a:p>
@@ -2682,7 +2687,7 @@
           <a:p>
             <a:fld id="{69048AD9-BE00-4ED8-A839-584C1E57A89E}" type="datetimeFigureOut">
               <a:rPr lang="de-CH" smtClean="0"/>
-              <a:t>12.04.2021</a:t>
+              <a:t>05.06.2021</a:t>
             </a:fld>
             <a:endParaRPr lang="de-CH"/>
           </a:p>
@@ -2925,7 +2930,7 @@
           <a:p>
             <a:fld id="{69048AD9-BE00-4ED8-A839-584C1E57A89E}" type="datetimeFigureOut">
               <a:rPr lang="de-CH" smtClean="0"/>
-              <a:t>12.04.2021</a:t>
+              <a:t>05.06.2021</a:t>
             </a:fld>
             <a:endParaRPr lang="de-CH"/>
           </a:p>
@@ -3599,7 +3604,7 @@
           <a:p>
             <a:pPr algn="ctr"/>
             <a:r>
-              <a:rPr lang="en-GB">
+              <a:rPr lang="en-GB" dirty="0">
                 <a:solidFill>
                   <a:schemeClr val="tx1"/>
                 </a:solidFill>
@@ -3717,12 +3722,12 @@
           <a:p>
             <a:pPr algn="ctr"/>
             <a:r>
-              <a:rPr lang="en-GB">
+              <a:rPr lang="en-GB" dirty="0">
                 <a:solidFill>
                   <a:schemeClr val="tx1"/>
                 </a:solidFill>
               </a:rPr>
-              <a:t>Literature Review</a:t>
+              <a:t>Related Literature</a:t>
             </a:r>
           </a:p>
         </p:txBody>
@@ -4046,8 +4051,8 @@
         </p:nvSpPr>
         <p:spPr>
           <a:xfrm>
-            <a:off x="4254457" y="3931291"/>
-            <a:ext cx="1122756" cy="437276"/>
+            <a:off x="4121432" y="3931290"/>
+            <a:ext cx="1388805" cy="713697"/>
           </a:xfrm>
           <a:prstGeom prst="roundRect">
             <a:avLst/>
@@ -4081,12 +4086,12 @@
           <a:p>
             <a:pPr algn="ctr"/>
             <a:r>
-              <a:rPr lang="en-GB" sz="1200">
+              <a:rPr lang="en-GB" sz="1200" dirty="0">
                 <a:solidFill>
                   <a:schemeClr val="tx1"/>
                 </a:solidFill>
               </a:rPr>
-              <a:t>Development of RNN</a:t>
+              <a:t>Development of RNN and CNN for Anomaly Detection</a:t>
             </a:r>
           </a:p>
         </p:txBody>
@@ -4105,8 +4110,8 @@
         </p:nvSpPr>
         <p:spPr>
           <a:xfrm>
-            <a:off x="4254457" y="4587205"/>
-            <a:ext cx="1122756" cy="437276"/>
+            <a:off x="4121432" y="4869394"/>
+            <a:ext cx="1388805" cy="626551"/>
           </a:xfrm>
           <a:prstGeom prst="roundRect">
             <a:avLst/>
@@ -4140,12 +4145,12 @@
           <a:p>
             <a:pPr algn="ctr"/>
             <a:r>
-              <a:rPr lang="en-GB" sz="1200">
+              <a:rPr lang="en-GB" sz="1200" dirty="0">
                 <a:solidFill>
                   <a:schemeClr val="tx1"/>
                 </a:solidFill>
               </a:rPr>
-              <a:t>Development of CNN</a:t>
+              <a:t>Transfer Learning Approach with CNN and RNN</a:t>
             </a:r>
           </a:p>
         </p:txBody>
@@ -4248,7 +4253,7 @@
         </p:nvCxnSpPr>
         <p:spPr>
           <a:xfrm>
-            <a:off x="4815835" y="4368567"/>
+            <a:off x="4815834" y="4644988"/>
             <a:ext cx="0" cy="224406"/>
           </a:xfrm>
           <a:prstGeom prst="straightConnector1">
@@ -4325,13 +4330,18 @@
           <a:p>
             <a:pPr algn="ctr"/>
             <a:r>
-              <a:rPr lang="en-GB" dirty="0">
+              <a:rPr lang="en-GB">
                 <a:solidFill>
                   <a:schemeClr val="tx1"/>
                 </a:solidFill>
               </a:rPr>
-              <a:t>Comparison of Results</a:t>
-            </a:r>
+              <a:t>Results Analysis</a:t>
+            </a:r>
+            <a:endParaRPr lang="en-GB" dirty="0">
+              <a:solidFill>
+                <a:schemeClr val="tx1"/>
+              </a:solidFill>
+            </a:endParaRPr>
           </a:p>
         </p:txBody>
       </p:sp>
@@ -4502,12 +4512,12 @@
         </p:nvCxnSpPr>
         <p:spPr>
           <a:xfrm flipV="1">
-            <a:off x="5377213" y="2451683"/>
-            <a:ext cx="721293" cy="2354160"/>
+            <a:off x="5510237" y="2451683"/>
+            <a:ext cx="588269" cy="2730987"/>
           </a:xfrm>
           <a:prstGeom prst="bentConnector3">
             <a:avLst>
-              <a:gd name="adj1" fmla="val 76750"/>
+              <a:gd name="adj1" fmla="val 50000"/>
             </a:avLst>
           </a:prstGeom>
           <a:ln w="12700">

--- a/Thesis Map.pptx
+++ b/Thesis Map.pptx
@@ -261,7 +261,7 @@
           <a:p>
             <a:fld id="{69048AD9-BE00-4ED8-A839-584C1E57A89E}" type="datetimeFigureOut">
               <a:rPr lang="de-CH" smtClean="0"/>
-              <a:t>05.06.2021</a:t>
+              <a:t>15.09.2021</a:t>
             </a:fld>
             <a:endParaRPr lang="de-CH"/>
           </a:p>
@@ -461,7 +461,7 @@
           <a:p>
             <a:fld id="{69048AD9-BE00-4ED8-A839-584C1E57A89E}" type="datetimeFigureOut">
               <a:rPr lang="de-CH" smtClean="0"/>
-              <a:t>05.06.2021</a:t>
+              <a:t>15.09.2021</a:t>
             </a:fld>
             <a:endParaRPr lang="de-CH"/>
           </a:p>
@@ -671,7 +671,7 @@
           <a:p>
             <a:fld id="{69048AD9-BE00-4ED8-A839-584C1E57A89E}" type="datetimeFigureOut">
               <a:rPr lang="de-CH" smtClean="0"/>
-              <a:t>05.06.2021</a:t>
+              <a:t>15.09.2021</a:t>
             </a:fld>
             <a:endParaRPr lang="de-CH"/>
           </a:p>
@@ -871,7 +871,7 @@
           <a:p>
             <a:fld id="{69048AD9-BE00-4ED8-A839-584C1E57A89E}" type="datetimeFigureOut">
               <a:rPr lang="de-CH" smtClean="0"/>
-              <a:t>05.06.2021</a:t>
+              <a:t>15.09.2021</a:t>
             </a:fld>
             <a:endParaRPr lang="de-CH"/>
           </a:p>
@@ -1147,7 +1147,7 @@
           <a:p>
             <a:fld id="{69048AD9-BE00-4ED8-A839-584C1E57A89E}" type="datetimeFigureOut">
               <a:rPr lang="de-CH" smtClean="0"/>
-              <a:t>05.06.2021</a:t>
+              <a:t>15.09.2021</a:t>
             </a:fld>
             <a:endParaRPr lang="de-CH"/>
           </a:p>
@@ -1415,7 +1415,7 @@
           <a:p>
             <a:fld id="{69048AD9-BE00-4ED8-A839-584C1E57A89E}" type="datetimeFigureOut">
               <a:rPr lang="de-CH" smtClean="0"/>
-              <a:t>05.06.2021</a:t>
+              <a:t>15.09.2021</a:t>
             </a:fld>
             <a:endParaRPr lang="de-CH"/>
           </a:p>
@@ -1830,7 +1830,7 @@
           <a:p>
             <a:fld id="{69048AD9-BE00-4ED8-A839-584C1E57A89E}" type="datetimeFigureOut">
               <a:rPr lang="de-CH" smtClean="0"/>
-              <a:t>05.06.2021</a:t>
+              <a:t>15.09.2021</a:t>
             </a:fld>
             <a:endParaRPr lang="de-CH"/>
           </a:p>
@@ -1972,7 +1972,7 @@
           <a:p>
             <a:fld id="{69048AD9-BE00-4ED8-A839-584C1E57A89E}" type="datetimeFigureOut">
               <a:rPr lang="de-CH" smtClean="0"/>
-              <a:t>05.06.2021</a:t>
+              <a:t>15.09.2021</a:t>
             </a:fld>
             <a:endParaRPr lang="de-CH"/>
           </a:p>
@@ -2085,7 +2085,7 @@
           <a:p>
             <a:fld id="{69048AD9-BE00-4ED8-A839-584C1E57A89E}" type="datetimeFigureOut">
               <a:rPr lang="de-CH" smtClean="0"/>
-              <a:t>05.06.2021</a:t>
+              <a:t>15.09.2021</a:t>
             </a:fld>
             <a:endParaRPr lang="de-CH"/>
           </a:p>
@@ -2398,7 +2398,7 @@
           <a:p>
             <a:fld id="{69048AD9-BE00-4ED8-A839-584C1E57A89E}" type="datetimeFigureOut">
               <a:rPr lang="de-CH" smtClean="0"/>
-              <a:t>05.06.2021</a:t>
+              <a:t>15.09.2021</a:t>
             </a:fld>
             <a:endParaRPr lang="de-CH"/>
           </a:p>
@@ -2687,7 +2687,7 @@
           <a:p>
             <a:fld id="{69048AD9-BE00-4ED8-A839-584C1E57A89E}" type="datetimeFigureOut">
               <a:rPr lang="de-CH" smtClean="0"/>
-              <a:t>05.06.2021</a:t>
+              <a:t>15.09.2021</a:t>
             </a:fld>
             <a:endParaRPr lang="de-CH"/>
           </a:p>
@@ -2930,7 +2930,7 @@
           <a:p>
             <a:fld id="{69048AD9-BE00-4ED8-A839-584C1E57A89E}" type="datetimeFigureOut">
               <a:rPr lang="de-CH" smtClean="0"/>
-              <a:t>05.06.2021</a:t>
+              <a:t>15.09.2021</a:t>
             </a:fld>
             <a:endParaRPr lang="de-CH"/>
           </a:p>
@@ -3968,12 +3968,12 @@
           <a:p>
             <a:pPr algn="ctr"/>
             <a:r>
-              <a:rPr lang="en-GB">
+              <a:rPr lang="en-GB" dirty="0">
                 <a:solidFill>
                   <a:schemeClr val="tx1"/>
                 </a:solidFill>
               </a:rPr>
-              <a:t>Suggestion</a:t>
+              <a:t>Design of Experiments</a:t>
             </a:r>
           </a:p>
         </p:txBody>
@@ -4032,8 +4032,13 @@
                   <a:schemeClr val="tx1"/>
                 </a:solidFill>
               </a:rPr>
-              <a:t>Development</a:t>
-            </a:r>
+              <a:t>Experiments</a:t>
+            </a:r>
+            <a:endParaRPr lang="en-GB" dirty="0">
+              <a:solidFill>
+                <a:schemeClr val="tx1"/>
+              </a:solidFill>
+            </a:endParaRPr>
           </a:p>
         </p:txBody>
       </p:sp>

--- a/Thesis Map.pptx
+++ b/Thesis Map.pptx
@@ -261,7 +261,7 @@
           <a:p>
             <a:fld id="{69048AD9-BE00-4ED8-A839-584C1E57A89E}" type="datetimeFigureOut">
               <a:rPr lang="de-CH" smtClean="0"/>
-              <a:t>15.09.2021</a:t>
+              <a:t>18.12.2021</a:t>
             </a:fld>
             <a:endParaRPr lang="de-CH"/>
           </a:p>
@@ -461,7 +461,7 @@
           <a:p>
             <a:fld id="{69048AD9-BE00-4ED8-A839-584C1E57A89E}" type="datetimeFigureOut">
               <a:rPr lang="de-CH" smtClean="0"/>
-              <a:t>15.09.2021</a:t>
+              <a:t>18.12.2021</a:t>
             </a:fld>
             <a:endParaRPr lang="de-CH"/>
           </a:p>
@@ -671,7 +671,7 @@
           <a:p>
             <a:fld id="{69048AD9-BE00-4ED8-A839-584C1E57A89E}" type="datetimeFigureOut">
               <a:rPr lang="de-CH" smtClean="0"/>
-              <a:t>15.09.2021</a:t>
+              <a:t>18.12.2021</a:t>
             </a:fld>
             <a:endParaRPr lang="de-CH"/>
           </a:p>
@@ -871,7 +871,7 @@
           <a:p>
             <a:fld id="{69048AD9-BE00-4ED8-A839-584C1E57A89E}" type="datetimeFigureOut">
               <a:rPr lang="de-CH" smtClean="0"/>
-              <a:t>15.09.2021</a:t>
+              <a:t>18.12.2021</a:t>
             </a:fld>
             <a:endParaRPr lang="de-CH"/>
           </a:p>
@@ -1147,7 +1147,7 @@
           <a:p>
             <a:fld id="{69048AD9-BE00-4ED8-A839-584C1E57A89E}" type="datetimeFigureOut">
               <a:rPr lang="de-CH" smtClean="0"/>
-              <a:t>15.09.2021</a:t>
+              <a:t>18.12.2021</a:t>
             </a:fld>
             <a:endParaRPr lang="de-CH"/>
           </a:p>
@@ -1415,7 +1415,7 @@
           <a:p>
             <a:fld id="{69048AD9-BE00-4ED8-A839-584C1E57A89E}" type="datetimeFigureOut">
               <a:rPr lang="de-CH" smtClean="0"/>
-              <a:t>15.09.2021</a:t>
+              <a:t>18.12.2021</a:t>
             </a:fld>
             <a:endParaRPr lang="de-CH"/>
           </a:p>
@@ -1830,7 +1830,7 @@
           <a:p>
             <a:fld id="{69048AD9-BE00-4ED8-A839-584C1E57A89E}" type="datetimeFigureOut">
               <a:rPr lang="de-CH" smtClean="0"/>
-              <a:t>15.09.2021</a:t>
+              <a:t>18.12.2021</a:t>
             </a:fld>
             <a:endParaRPr lang="de-CH"/>
           </a:p>
@@ -1972,7 +1972,7 @@
           <a:p>
             <a:fld id="{69048AD9-BE00-4ED8-A839-584C1E57A89E}" type="datetimeFigureOut">
               <a:rPr lang="de-CH" smtClean="0"/>
-              <a:t>15.09.2021</a:t>
+              <a:t>18.12.2021</a:t>
             </a:fld>
             <a:endParaRPr lang="de-CH"/>
           </a:p>
@@ -2085,7 +2085,7 @@
           <a:p>
             <a:fld id="{69048AD9-BE00-4ED8-A839-584C1E57A89E}" type="datetimeFigureOut">
               <a:rPr lang="de-CH" smtClean="0"/>
-              <a:t>15.09.2021</a:t>
+              <a:t>18.12.2021</a:t>
             </a:fld>
             <a:endParaRPr lang="de-CH"/>
           </a:p>
@@ -2398,7 +2398,7 @@
           <a:p>
             <a:fld id="{69048AD9-BE00-4ED8-A839-584C1E57A89E}" type="datetimeFigureOut">
               <a:rPr lang="de-CH" smtClean="0"/>
-              <a:t>15.09.2021</a:t>
+              <a:t>18.12.2021</a:t>
             </a:fld>
             <a:endParaRPr lang="de-CH"/>
           </a:p>
@@ -2687,7 +2687,7 @@
           <a:p>
             <a:fld id="{69048AD9-BE00-4ED8-A839-584C1E57A89E}" type="datetimeFigureOut">
               <a:rPr lang="de-CH" smtClean="0"/>
-              <a:t>15.09.2021</a:t>
+              <a:t>18.12.2021</a:t>
             </a:fld>
             <a:endParaRPr lang="de-CH"/>
           </a:p>
@@ -2930,7 +2930,7 @@
           <a:p>
             <a:fld id="{69048AD9-BE00-4ED8-A839-584C1E57A89E}" type="datetimeFigureOut">
               <a:rPr lang="de-CH" smtClean="0"/>
-              <a:t>15.09.2021</a:t>
+              <a:t>18.12.2021</a:t>
             </a:fld>
             <a:endParaRPr lang="de-CH"/>
           </a:p>
@@ -4101,65 +4101,6 @@
           </a:p>
         </p:txBody>
       </p:sp>
-      <p:sp>
-        <p:nvSpPr>
-          <p:cNvPr id="20" name="Rechteck: abgerundete Ecken 19">
-            <a:extLst>
-              <a:ext uri="{FF2B5EF4-FFF2-40B4-BE49-F238E27FC236}">
-                <a16:creationId xmlns:a16="http://schemas.microsoft.com/office/drawing/2014/main" id="{067E90FA-E347-4BB9-9476-F589E53AC743}"/>
-              </a:ext>
-            </a:extLst>
-          </p:cNvPr>
-          <p:cNvSpPr/>
-          <p:nvPr/>
-        </p:nvSpPr>
-        <p:spPr>
-          <a:xfrm>
-            <a:off x="4121432" y="4869394"/>
-            <a:ext cx="1388805" cy="626551"/>
-          </a:xfrm>
-          <a:prstGeom prst="roundRect">
-            <a:avLst/>
-          </a:prstGeom>
-          <a:solidFill>
-            <a:schemeClr val="tx2">
-              <a:lumMod val="20000"/>
-              <a:lumOff val="80000"/>
-            </a:schemeClr>
-          </a:solidFill>
-        </p:spPr>
-        <p:style>
-          <a:lnRef idx="2">
-            <a:schemeClr val="accent1">
-              <a:shade val="50000"/>
-            </a:schemeClr>
-          </a:lnRef>
-          <a:fillRef idx="1">
-            <a:schemeClr val="accent1"/>
-          </a:fillRef>
-          <a:effectRef idx="0">
-            <a:schemeClr val="accent1"/>
-          </a:effectRef>
-          <a:fontRef idx="minor">
-            <a:schemeClr val="lt1"/>
-          </a:fontRef>
-        </p:style>
-        <p:txBody>
-          <a:bodyPr rtlCol="0" anchor="ctr"/>
-          <a:lstStyle/>
-          <a:p>
-            <a:pPr algn="ctr"/>
-            <a:r>
-              <a:rPr lang="en-GB" sz="1200" dirty="0">
-                <a:solidFill>
-                  <a:schemeClr val="tx1"/>
-                </a:solidFill>
-              </a:rPr>
-              <a:t>Transfer Learning Approach with CNN and RNN</a:t>
-            </a:r>
-          </a:p>
-        </p:txBody>
-      </p:sp>
       <p:cxnSp>
         <p:nvCxnSpPr>
           <p:cNvPr id="21" name="Gerade Verbindung mit Pfeil 20">
@@ -4217,48 +4158,6 @@
         <p:spPr>
           <a:xfrm>
             <a:off x="4815835" y="3703740"/>
-            <a:ext cx="0" cy="224406"/>
-          </a:xfrm>
-          <a:prstGeom prst="straightConnector1">
-            <a:avLst/>
-          </a:prstGeom>
-          <a:ln w="19050">
-            <a:solidFill>
-              <a:schemeClr val="tx1"/>
-            </a:solidFill>
-            <a:tailEnd type="triangle"/>
-          </a:ln>
-        </p:spPr>
-        <p:style>
-          <a:lnRef idx="1">
-            <a:schemeClr val="accent1"/>
-          </a:lnRef>
-          <a:fillRef idx="0">
-            <a:schemeClr val="accent1"/>
-          </a:fillRef>
-          <a:effectRef idx="0">
-            <a:schemeClr val="accent1"/>
-          </a:effectRef>
-          <a:fontRef idx="minor">
-            <a:schemeClr val="tx1"/>
-          </a:fontRef>
-        </p:style>
-      </p:cxnSp>
-      <p:cxnSp>
-        <p:nvCxnSpPr>
-          <p:cNvPr id="23" name="Gerade Verbindung mit Pfeil 22">
-            <a:extLst>
-              <a:ext uri="{FF2B5EF4-FFF2-40B4-BE49-F238E27FC236}">
-                <a16:creationId xmlns:a16="http://schemas.microsoft.com/office/drawing/2014/main" id="{81C5EE6A-AC15-4B07-8A5A-06995BE8E28B}"/>
-              </a:ext>
-            </a:extLst>
-          </p:cNvPr>
-          <p:cNvCxnSpPr/>
-          <p:nvPr/>
-        </p:nvCxnSpPr>
-        <p:spPr>
-          <a:xfrm>
-            <a:off x="4815834" y="4644988"/>
             <a:ext cx="0" cy="224406"/>
           </a:xfrm>
           <a:prstGeom prst="straightConnector1">
@@ -4510,7 +4409,7 @@
           </p:cNvPr>
           <p:cNvCxnSpPr>
             <a:cxnSpLocks/>
-            <a:stCxn id="20" idx="3"/>
+            <a:stCxn id="19" idx="3"/>
             <a:endCxn id="24" idx="1"/>
           </p:cNvCxnSpPr>
           <p:nvPr/>
@@ -4518,7 +4417,7 @@
         <p:spPr>
           <a:xfrm flipV="1">
             <a:off x="5510237" y="2451683"/>
-            <a:ext cx="588269" cy="2730987"/>
+            <a:ext cx="588269" cy="1836456"/>
           </a:xfrm>
           <a:prstGeom prst="bentConnector3">
             <a:avLst>
